--- a/Class4/IntroR_Class4_Presentation.pptx
+++ b/Class4/IntroR_Class4_Presentation.pptx
@@ -255,7 +255,7 @@
           <a:p>
             <a:fld id="{59088EAF-6ECA-4616-85EF-35AA19C641F3}" type="datetimeFigureOut">
               <a:rPr lang="en-US"/>
-              <a:t>6/13/19</a:t>
+              <a:t>7/20/19</a:t>
             </a:fld>
             <a:endParaRPr/>
           </a:p>
@@ -420,7 +420,7 @@
           <a:p>
             <a:fld id="{3ABD2D7A-D230-4F91-BD59-0A39C2703BA8}" type="datetimeFigureOut">
               <a:rPr lang="en-US"/>
-              <a:t>6/13/19</a:t>
+              <a:t>7/20/19</a:t>
             </a:fld>
             <a:endParaRPr/>
           </a:p>
@@ -3288,7 +3288,7 @@
           <a:p>
             <a:fld id="{03F41C87-7AD9-4845-A077-840E4A0F3F06}" type="datetimeFigureOut">
               <a:rPr lang="en-US"/>
-              <a:t>6/13/19</a:t>
+              <a:t>7/20/19</a:t>
             </a:fld>
             <a:endParaRPr/>
           </a:p>
@@ -3480,7 +3480,7 @@
           <a:p>
             <a:fld id="{03F41C87-7AD9-4845-A077-840E4A0F3F06}" type="datetimeFigureOut">
               <a:rPr lang="en-US"/>
-              <a:t>6/13/19</a:t>
+              <a:t>7/20/19</a:t>
             </a:fld>
             <a:endParaRPr/>
           </a:p>
@@ -3669,7 +3669,7 @@
           <a:p>
             <a:fld id="{03F41C87-7AD9-4845-A077-840E4A0F3F06}" type="datetimeFigureOut">
               <a:rPr lang="en-US"/>
-              <a:t>6/13/19</a:t>
+              <a:t>7/20/19</a:t>
             </a:fld>
             <a:endParaRPr/>
           </a:p>
@@ -3935,7 +3935,7 @@
           <a:p>
             <a:fld id="{03F41C87-7AD9-4845-A077-840E4A0F3F06}" type="datetimeFigureOut">
               <a:rPr lang="en-US"/>
-              <a:t>6/13/19</a:t>
+              <a:t>7/20/19</a:t>
             </a:fld>
             <a:endParaRPr/>
           </a:p>
@@ -4239,7 +4239,7 @@
           <a:p>
             <a:fld id="{03F41C87-7AD9-4845-A077-840E4A0F3F06}" type="datetimeFigureOut">
               <a:rPr lang="en-US"/>
-              <a:t>6/13/19</a:t>
+              <a:t>7/20/19</a:t>
             </a:fld>
             <a:endParaRPr/>
           </a:p>
@@ -4695,7 +4695,7 @@
           <a:p>
             <a:fld id="{03F41C87-7AD9-4845-A077-840E4A0F3F06}" type="datetimeFigureOut">
               <a:rPr lang="en-US"/>
-              <a:t>6/13/19</a:t>
+              <a:t>7/20/19</a:t>
             </a:fld>
             <a:endParaRPr/>
           </a:p>
@@ -4825,7 +4825,7 @@
           <a:p>
             <a:fld id="{03F41C87-7AD9-4845-A077-840E4A0F3F06}" type="datetimeFigureOut">
               <a:rPr lang="en-US"/>
-              <a:t>6/13/19</a:t>
+              <a:t>7/20/19</a:t>
             </a:fld>
             <a:endParaRPr/>
           </a:p>
@@ -4932,7 +4932,7 @@
           <a:p>
             <a:fld id="{03F41C87-7AD9-4845-A077-840E4A0F3F06}" type="datetimeFigureOut">
               <a:rPr lang="en-US"/>
-              <a:t>6/13/19</a:t>
+              <a:t>7/20/19</a:t>
             </a:fld>
             <a:endParaRPr/>
           </a:p>
@@ -5240,7 +5240,7 @@
           <a:p>
             <a:fld id="{03F41C87-7AD9-4845-A077-840E4A0F3F06}" type="datetimeFigureOut">
               <a:rPr lang="en-US"/>
-              <a:t>6/13/19</a:t>
+              <a:t>7/20/19</a:t>
             </a:fld>
             <a:endParaRPr/>
           </a:p>
@@ -5538,7 +5538,7 @@
             <a:fld id="{03F41C87-7AD9-4845-A077-840E4A0F3F06}" type="datetimeFigureOut">
               <a:rPr lang="en-US"/>
               <a:pPr/>
-              <a:t>6/13/19</a:t>
+              <a:t>7/20/19</a:t>
             </a:fld>
             <a:endParaRPr/>
           </a:p>
@@ -5792,7 +5792,7 @@
             <a:fld id="{03F41C87-7AD9-4845-A077-840E4A0F3F06}" type="datetimeFigureOut">
               <a:rPr lang="en-US" smtClean="0"/>
               <a:pPr/>
-              <a:t>6/13/19</a:t>
+              <a:t>7/20/19</a:t>
             </a:fld>
             <a:endParaRPr lang="en-US"/>
           </a:p>
@@ -7793,27 +7793,6 @@
                 <a:latin typeface="Arial" panose="020B0604020202020204" pitchFamily="34" charset="0"/>
                 <a:cs typeface="Arial" panose="020B0604020202020204" pitchFamily="34" charset="0"/>
               </a:rPr>
-              <a:t>However, always stored as a number</a:t>
-            </a:r>
-            <a:endParaRPr lang="en-US" sz="2400" dirty="0">
-              <a:latin typeface="Arial" panose="020B0604020202020204" pitchFamily="34" charset="0"/>
-              <a:cs typeface="Arial" panose="020B0604020202020204" pitchFamily="34" charset="0"/>
-            </a:endParaRPr>
-          </a:p>
-          <a:p>
-            <a:pPr>
-              <a:lnSpc>
-                <a:spcPct val="80000"/>
-              </a:lnSpc>
-              <a:spcAft>
-                <a:spcPts val="200"/>
-              </a:spcAft>
-            </a:pPr>
-            <a:r>
-              <a:rPr lang="en-US" dirty="0">
-                <a:latin typeface="Arial" panose="020B0604020202020204" pitchFamily="34" charset="0"/>
-                <a:cs typeface="Arial" panose="020B0604020202020204" pitchFamily="34" charset="0"/>
-              </a:rPr>
               <a:t>See that city, a character variable, is stored with string values</a:t>
             </a:r>
           </a:p>
@@ -7912,7 +7891,7 @@
         </p:blipFill>
         <p:spPr>
           <a:xfrm>
-            <a:off x="8609012" y="4724400"/>
+            <a:off x="8609012" y="4343400"/>
             <a:ext cx="2928552" cy="1739900"/>
           </a:xfrm>
           <a:prstGeom prst="rect">
@@ -7953,7 +7932,7 @@
         </p:blipFill>
         <p:spPr>
           <a:xfrm>
-            <a:off x="531812" y="5105400"/>
+            <a:off x="531812" y="4800600"/>
             <a:ext cx="7480300" cy="927100"/>
           </a:xfrm>
           <a:prstGeom prst="rect">
@@ -7980,7 +7959,7 @@
         </p:nvSpPr>
         <p:spPr>
           <a:xfrm>
-            <a:off x="7085012" y="5638800"/>
+            <a:off x="7085012" y="5334000"/>
             <a:ext cx="914400" cy="381000"/>
           </a:xfrm>
           <a:prstGeom prst="rect">
@@ -8072,7 +8051,7 @@
         </p:nvSpPr>
         <p:spPr>
           <a:xfrm>
-            <a:off x="912812" y="3858"/>
+            <a:off x="912812" y="152400"/>
             <a:ext cx="9334499" cy="1371600"/>
           </a:xfrm>
         </p:spPr>
@@ -8102,8 +8081,8 @@
         </p:nvSpPr>
         <p:spPr>
           <a:xfrm>
-            <a:off x="1141412" y="1600200"/>
-            <a:ext cx="7010400" cy="4648200"/>
+            <a:off x="989012" y="1905000"/>
+            <a:ext cx="6553200" cy="4648200"/>
           </a:xfrm>
         </p:spPr>
         <p:txBody>
@@ -8176,42 +8155,12 @@
                 <a:latin typeface="Arial" panose="020B0604020202020204" pitchFamily="34" charset="0"/>
                 <a:cs typeface="Arial" panose="020B0604020202020204" pitchFamily="34" charset="0"/>
               </a:rPr>
-              <a:t>Will change it to a factor variable with:</a:t>
-            </a:r>
-          </a:p>
-          <a:p>
-            <a:pPr lvl="1">
-              <a:lnSpc>
-                <a:spcPct val="80000"/>
-              </a:lnSpc>
-              <a:spcAft>
-                <a:spcPts val="200"/>
-              </a:spcAft>
-            </a:pPr>
-            <a:r>
-              <a:rPr lang="en-US" sz="2400" dirty="0">
-                <a:latin typeface="Arial" panose="020B0604020202020204" pitchFamily="34" charset="0"/>
-                <a:cs typeface="Arial" panose="020B0604020202020204" pitchFamily="34" charset="0"/>
-              </a:rPr>
-              <a:t>Abbreviation as the value</a:t>
-            </a:r>
-          </a:p>
-          <a:p>
-            <a:pPr lvl="1">
-              <a:lnSpc>
-                <a:spcPct val="80000"/>
-              </a:lnSpc>
-              <a:spcAft>
-                <a:spcPts val="200"/>
-              </a:spcAft>
-            </a:pPr>
-            <a:r>
-              <a:rPr lang="en-US" sz="2400" dirty="0">
-                <a:latin typeface="Arial" panose="020B0604020202020204" pitchFamily="34" charset="0"/>
-                <a:cs typeface="Arial" panose="020B0604020202020204" pitchFamily="34" charset="0"/>
-              </a:rPr>
-              <a:t>Full state name as the label</a:t>
-            </a:r>
+              <a:t>Will change it to a factor variable converting the state abbreviation to the state name</a:t>
+            </a:r>
+            <a:endParaRPr lang="en-US" sz="2400" dirty="0">
+              <a:latin typeface="Arial" panose="020B0604020202020204" pitchFamily="34" charset="0"/>
+              <a:cs typeface="Arial" panose="020B0604020202020204" pitchFamily="34" charset="0"/>
+            </a:endParaRPr>
           </a:p>
           <a:p>
             <a:pPr marL="0" indent="0">
@@ -8230,77 +8179,6 @@
           </a:p>
         </p:txBody>
       </p:sp>
-      <p:sp>
-        <p:nvSpPr>
-          <p:cNvPr id="10" name="TextBox 9">
-            <a:extLst>
-              <a:ext uri="{FF2B5EF4-FFF2-40B4-BE49-F238E27FC236}">
-                <a16:creationId xmlns:a16="http://schemas.microsoft.com/office/drawing/2014/main" id="{B5AC4E30-666D-8B44-AFAC-E581C6C34237}"/>
-              </a:ext>
-            </a:extLst>
-          </p:cNvPr>
-          <p:cNvSpPr txBox="1"/>
-          <p:nvPr/>
-        </p:nvSpPr>
-        <p:spPr>
-          <a:xfrm>
-            <a:off x="9752012" y="762000"/>
-            <a:ext cx="1066800" cy="369332"/>
-          </a:xfrm>
-          <a:prstGeom prst="rect">
-            <a:avLst/>
-          </a:prstGeom>
-          <a:noFill/>
-        </p:spPr>
-        <p:txBody>
-          <a:bodyPr wrap="square" rtlCol="0">
-            <a:spAutoFit/>
-          </a:bodyPr>
-          <a:lstStyle/>
-          <a:p>
-            <a:r>
-              <a:rPr lang="en-US" b="1" u="sng" dirty="0" err="1"/>
-              <a:t>states.df</a:t>
-            </a:r>
-            <a:endParaRPr lang="en-US" b="1" u="sng" dirty="0"/>
-          </a:p>
-        </p:txBody>
-      </p:sp>
-      <p:pic>
-        <p:nvPicPr>
-          <p:cNvPr id="15" name="Picture 14">
-            <a:extLst>
-              <a:ext uri="{FF2B5EF4-FFF2-40B4-BE49-F238E27FC236}">
-                <a16:creationId xmlns:a16="http://schemas.microsoft.com/office/drawing/2014/main" id="{4C9EAA18-D3DD-1543-BC4D-52BB8FC3E7A9}"/>
-              </a:ext>
-            </a:extLst>
-          </p:cNvPr>
-          <p:cNvPicPr>
-            <a:picLocks noChangeAspect="1"/>
-          </p:cNvPicPr>
-          <p:nvPr/>
-        </p:nvPicPr>
-        <p:blipFill>
-          <a:blip r:embed="rId3"/>
-          <a:stretch>
-            <a:fillRect/>
-          </a:stretch>
-        </p:blipFill>
-        <p:spPr>
-          <a:xfrm>
-            <a:off x="8532812" y="1143000"/>
-            <a:ext cx="3381090" cy="3962400"/>
-          </a:xfrm>
-          <a:prstGeom prst="rect">
-            <a:avLst/>
-          </a:prstGeom>
-          <a:ln>
-            <a:solidFill>
-              <a:schemeClr val="tx1"/>
-            </a:solidFill>
-          </a:ln>
-        </p:spPr>
-      </p:pic>
       <p:pic>
         <p:nvPicPr>
           <p:cNvPr id="11" name="Picture 10">
@@ -8316,7 +8194,7 @@
           <p:nvPr/>
         </p:nvPicPr>
         <p:blipFill>
-          <a:blip r:embed="rId4"/>
+          <a:blip r:embed="rId3"/>
           <a:stretch>
             <a:fillRect/>
           </a:stretch>
@@ -8336,6 +8214,160 @@
           </a:ln>
         </p:spPr>
       </p:pic>
+      <p:grpSp>
+        <p:nvGrpSpPr>
+          <p:cNvPr id="6" name="Group 5">
+            <a:extLst>
+              <a:ext uri="{FF2B5EF4-FFF2-40B4-BE49-F238E27FC236}">
+                <a16:creationId xmlns:a16="http://schemas.microsoft.com/office/drawing/2014/main" id="{7DF47314-E792-B742-9C14-929376126C26}"/>
+              </a:ext>
+            </a:extLst>
+          </p:cNvPr>
+          <p:cNvGrpSpPr/>
+          <p:nvPr/>
+        </p:nvGrpSpPr>
+        <p:grpSpPr>
+          <a:xfrm>
+            <a:off x="7542212" y="1219200"/>
+            <a:ext cx="4432300" cy="3403600"/>
+            <a:chOff x="7618412" y="1219200"/>
+            <a:chExt cx="4432300" cy="3403600"/>
+          </a:xfrm>
+        </p:grpSpPr>
+        <p:sp>
+          <p:nvSpPr>
+            <p:cNvPr id="10" name="TextBox 9">
+              <a:extLst>
+                <a:ext uri="{FF2B5EF4-FFF2-40B4-BE49-F238E27FC236}">
+                  <a16:creationId xmlns:a16="http://schemas.microsoft.com/office/drawing/2014/main" id="{B5AC4E30-666D-8B44-AFAC-E581C6C34237}"/>
+                </a:ext>
+              </a:extLst>
+            </p:cNvPr>
+            <p:cNvSpPr txBox="1"/>
+            <p:nvPr/>
+          </p:nvSpPr>
+          <p:spPr>
+            <a:xfrm>
+              <a:off x="8609012" y="2514600"/>
+              <a:ext cx="2743200" cy="830997"/>
+            </a:xfrm>
+            <a:prstGeom prst="rect">
+              <a:avLst/>
+            </a:prstGeom>
+            <a:noFill/>
+          </p:spPr>
+          <p:txBody>
+            <a:bodyPr wrap="square" rtlCol="0">
+              <a:spAutoFit/>
+            </a:bodyPr>
+            <a:lstStyle/>
+            <a:p>
+              <a:pPr algn="ctr"/>
+              <a:r>
+                <a:rPr lang="en-US" sz="2400" b="1" dirty="0">
+                  <a:solidFill>
+                    <a:srgbClr val="FF0000"/>
+                  </a:solidFill>
+                </a:rPr>
+                <a:t>Converts </a:t>
+              </a:r>
+            </a:p>
+            <a:p>
+              <a:pPr algn="ctr"/>
+              <a:r>
+                <a:rPr lang="en-US" sz="2400" b="1" dirty="0">
+                  <a:solidFill>
+                    <a:srgbClr val="FF0000"/>
+                  </a:solidFill>
+                </a:rPr>
+                <a:t>To</a:t>
+              </a:r>
+            </a:p>
+          </p:txBody>
+        </p:sp>
+        <p:pic>
+          <p:nvPicPr>
+            <p:cNvPr id="3" name="Picture 2">
+              <a:extLst>
+                <a:ext uri="{FF2B5EF4-FFF2-40B4-BE49-F238E27FC236}">
+                  <a16:creationId xmlns:a16="http://schemas.microsoft.com/office/drawing/2014/main" id="{BAC746F0-3A28-D743-B00A-6577A3776325}"/>
+                </a:ext>
+              </a:extLst>
+            </p:cNvPr>
+            <p:cNvPicPr>
+              <a:picLocks noChangeAspect="1"/>
+            </p:cNvPicPr>
+            <p:nvPr/>
+          </p:nvPicPr>
+          <p:blipFill>
+            <a:blip r:embed="rId4">
+              <a:extLst>
+                <a:ext uri="{28A0092B-C50C-407E-A947-70E740481C1C}">
+                  <a14:useLocalDpi xmlns:a14="http://schemas.microsoft.com/office/drawing/2010/main" val="0"/>
+                </a:ext>
+              </a:extLst>
+            </a:blip>
+            <a:stretch>
+              <a:fillRect/>
+            </a:stretch>
+          </p:blipFill>
+          <p:spPr>
+            <a:xfrm>
+              <a:off x="8380412" y="1219200"/>
+              <a:ext cx="3060700" cy="1181100"/>
+            </a:xfrm>
+            <a:prstGeom prst="rect">
+              <a:avLst/>
+            </a:prstGeom>
+            <a:ln>
+              <a:solidFill>
+                <a:schemeClr val="tx1"/>
+              </a:solidFill>
+            </a:ln>
+          </p:spPr>
+        </p:pic>
+        <p:pic>
+          <p:nvPicPr>
+            <p:cNvPr id="5" name="Picture 4">
+              <a:extLst>
+                <a:ext uri="{FF2B5EF4-FFF2-40B4-BE49-F238E27FC236}">
+                  <a16:creationId xmlns:a16="http://schemas.microsoft.com/office/drawing/2014/main" id="{E1124FD3-003E-D248-91E7-AB6F7FAB5F38}"/>
+                </a:ext>
+              </a:extLst>
+            </p:cNvPr>
+            <p:cNvPicPr>
+              <a:picLocks noChangeAspect="1"/>
+            </p:cNvPicPr>
+            <p:nvPr/>
+          </p:nvPicPr>
+          <p:blipFill>
+            <a:blip r:embed="rId5">
+              <a:extLst>
+                <a:ext uri="{28A0092B-C50C-407E-A947-70E740481C1C}">
+                  <a14:useLocalDpi xmlns:a14="http://schemas.microsoft.com/office/drawing/2010/main" val="0"/>
+                </a:ext>
+              </a:extLst>
+            </a:blip>
+            <a:stretch>
+              <a:fillRect/>
+            </a:stretch>
+          </p:blipFill>
+          <p:spPr>
+            <a:xfrm>
+              <a:off x="7618412" y="3429000"/>
+              <a:ext cx="4432300" cy="1193800"/>
+            </a:xfrm>
+            <a:prstGeom prst="rect">
+              <a:avLst/>
+            </a:prstGeom>
+            <a:ln>
+              <a:solidFill>
+                <a:schemeClr val="tx1"/>
+              </a:solidFill>
+            </a:ln>
+          </p:spPr>
+        </p:pic>
+      </p:grpSp>
     </p:spTree>
     <p:extLst>
       <p:ext uri="{BB962C8B-B14F-4D97-AF65-F5344CB8AC3E}">
@@ -8573,7 +8605,7 @@
         </p:nvSpPr>
         <p:spPr>
           <a:xfrm>
-            <a:off x="9752012" y="1219200"/>
+            <a:off x="9752012" y="990600"/>
             <a:ext cx="1066800" cy="369332"/>
           </a:xfrm>
           <a:prstGeom prst="rect">
@@ -8617,7 +8649,7 @@
         </p:blipFill>
         <p:spPr>
           <a:xfrm>
-            <a:off x="8651674" y="1600200"/>
+            <a:off x="8761412" y="1447800"/>
             <a:ext cx="3186027" cy="3733800"/>
           </a:xfrm>
           <a:prstGeom prst="rect">
